--- a/Setting up the Society App.pptx
+++ b/Setting up the Society App.pptx
@@ -16859,8 +16859,13 @@
           <a:p>
             <a:r>
               <a:rPr lang="en-IN" dirty="0"/>
-              <a:t>Step 9: Docker</a:t>
-            </a:r>
+              <a:t>Step 9: </a:t>
+            </a:r>
+            <a:r>
+              <a:rPr lang="en-IN"/>
+              <a:t>Docker Build</a:t>
+            </a:r>
+            <a:endParaRPr lang="en-IN" dirty="0"/>
           </a:p>
         </p:txBody>
       </p:sp>
@@ -17861,7 +17866,7 @@
           <a:p>
             <a:r>
               <a:rPr lang="en-US" dirty="0"/>
-              <a:t>Step 12: Give access to the files</a:t>
+              <a:t>Step 14: Give access to the files</a:t>
             </a:r>
           </a:p>
         </p:txBody>

--- a/Setting up the Society App.pptx
+++ b/Setting up the Society App.pptx
@@ -15937,38 +15937,6 @@
       </p:sp>
       <p:sp>
         <p:nvSpPr>
-          <p:cNvPr id="2" name="Title 1">
-            <a:extLst>
-              <a:ext uri="{FF2B5EF4-FFF2-40B4-BE49-F238E27FC236}">
-                <a16:creationId xmlns:a16="http://schemas.microsoft.com/office/drawing/2014/main" id="{3B542B24-1509-8231-0609-6DA23B77EA4A}"/>
-              </a:ext>
-            </a:extLst>
-          </p:cNvPr>
-          <p:cNvSpPr>
-            <a:spLocks noGrp="1"/>
-          </p:cNvSpPr>
-          <p:nvPr>
-            <p:ph type="ctrTitle"/>
-          </p:nvPr>
-        </p:nvSpPr>
-        <p:spPr>
-          <a:xfrm>
-            <a:off x="6089726" y="722903"/>
-            <a:ext cx="5415521" cy="2706098"/>
-          </a:xfrm>
-        </p:spPr>
-        <p:txBody>
-          <a:bodyPr>
-            <a:normAutofit/>
-          </a:bodyPr>
-          <a:lstStyle/>
-          <a:p>
-            <a:endParaRPr lang="en-IN" dirty="0"/>
-          </a:p>
-        </p:txBody>
-      </p:sp>
-      <p:sp>
-        <p:nvSpPr>
           <p:cNvPr id="3" name="Subtitle 2">
             <a:extLst>
               <a:ext uri="{FF2B5EF4-FFF2-40B4-BE49-F238E27FC236}">
@@ -15985,8 +15953,8 @@
         </p:nvSpPr>
         <p:spPr>
           <a:xfrm>
-            <a:off x="6089726" y="3674327"/>
-            <a:ext cx="5415521" cy="2460770"/>
+            <a:off x="6089726" y="650929"/>
+            <a:ext cx="5781976" cy="5484168"/>
           </a:xfrm>
         </p:spPr>
         <p:txBody>
@@ -16001,6 +15969,16 @@
             </a:r>
           </a:p>
           <a:p>
+            <a:pPr marL="285750" indent="-285750">
+              <a:buFontTx/>
+              <a:buChar char="-"/>
+            </a:pPr>
+            <a:r>
+              <a:rPr lang="en-IN" sz="1400" b="1" dirty="0"/>
+              <a:t>Features</a:t>
+            </a:r>
+          </a:p>
+          <a:p>
             <a:pPr marL="742950" lvl="1" indent="-285750" algn="l">
               <a:buFontTx/>
               <a:buChar char="-"/>
@@ -16017,7 +15995,7 @@
             </a:pPr>
             <a:r>
               <a:rPr lang="en-IN" sz="1000" dirty="0"/>
-              <a:t>Conduct Voting</a:t>
+              <a:t>Allow document uploads to Google Drive</a:t>
             </a:r>
           </a:p>
           <a:p>
@@ -16027,7 +16005,7 @@
             </a:pPr>
             <a:r>
               <a:rPr lang="en-IN" sz="1000" dirty="0"/>
-              <a:t>Allow document uploads to Google Drive</a:t>
+              <a:t>Expose data Google Sheets</a:t>
             </a:r>
           </a:p>
           <a:p>
@@ -16037,7 +16015,7 @@
             </a:pPr>
             <a:r>
               <a:rPr lang="en-IN" sz="1000" dirty="0"/>
-              <a:t>Expose data Google Sheets</a:t>
+              <a:t>Conduct a Poll</a:t>
             </a:r>
           </a:p>
           <a:p>
@@ -16047,7 +16025,7 @@
             </a:pPr>
             <a:r>
               <a:rPr lang="en-IN" sz="1000" dirty="0"/>
-              <a:t>Integrated with Google Auth</a:t>
+              <a:t>Integrated with Google Authentication</a:t>
             </a:r>
           </a:p>
           <a:p>
@@ -16058,6 +16036,56 @@
             <a:r>
               <a:rPr lang="en-IN" sz="1000" dirty="0"/>
               <a:t>Log user activity</a:t>
+            </a:r>
+          </a:p>
+          <a:p>
+            <a:pPr marL="742950" lvl="1" indent="-285750" algn="l">
+              <a:buFontTx/>
+              <a:buChar char="-"/>
+            </a:pPr>
+            <a:r>
+              <a:rPr lang="en-IN" sz="1000" dirty="0"/>
+              <a:t>Works on mobile/desktop</a:t>
+            </a:r>
+          </a:p>
+          <a:p>
+            <a:pPr marL="285750" indent="-285750">
+              <a:buFontTx/>
+              <a:buChar char="-"/>
+            </a:pPr>
+            <a:r>
+              <a:rPr lang="en-IN" sz="1400" b="1" dirty="0"/>
+              <a:t>What you will need</a:t>
+            </a:r>
+          </a:p>
+          <a:p>
+            <a:pPr marL="742950" lvl="1" indent="-285750" algn="l">
+              <a:buFontTx/>
+              <a:buChar char="-"/>
+            </a:pPr>
+            <a:r>
+              <a:rPr lang="en-IN" sz="1000" dirty="0"/>
+              <a:t>Azure Web App (Free Tier is ok)</a:t>
+            </a:r>
+          </a:p>
+          <a:p>
+            <a:pPr marL="742950" lvl="1" indent="-285750" algn="l">
+              <a:buFontTx/>
+              <a:buChar char="-"/>
+            </a:pPr>
+            <a:r>
+              <a:rPr lang="en-IN" sz="1000" dirty="0"/>
+              <a:t>Docker Hub (Private repository is preferred)</a:t>
+            </a:r>
+          </a:p>
+          <a:p>
+            <a:pPr marL="742950" lvl="1" indent="-285750" algn="l">
+              <a:buFontTx/>
+              <a:buChar char="-"/>
+            </a:pPr>
+            <a:r>
+              <a:rPr lang="en-IN" sz="1000" dirty="0"/>
+              <a:t>Git hub (download the source code)</a:t>
             </a:r>
           </a:p>
           <a:p>
@@ -16137,103 +16165,6 @@
   <p:clrMapOvr>
     <a:masterClrMapping/>
   </p:clrMapOvr>
-  <p:timing>
-    <p:tnLst>
-      <p:par>
-        <p:cTn id="1" dur="indefinite" restart="never" nodeType="tmRoot">
-          <p:childTnLst>
-            <p:seq concurrent="1" nextAc="seek">
-              <p:cTn id="2" dur="indefinite" nodeType="mainSeq">
-                <p:childTnLst>
-                  <p:par>
-                    <p:cTn id="3" fill="hold">
-                      <p:stCondLst>
-                        <p:cond delay="indefinite"/>
-                        <p:cond evt="onBegin" delay="0">
-                          <p:tn val="2"/>
-                        </p:cond>
-                      </p:stCondLst>
-                      <p:childTnLst>
-                        <p:par>
-                          <p:cTn id="4" fill="hold">
-                            <p:stCondLst>
-                              <p:cond delay="0"/>
-                            </p:stCondLst>
-                            <p:childTnLst>
-                              <p:par>
-                                <p:cTn id="5" presetID="10" presetClass="entr" presetSubtype="0" fill="hold" grpId="0" nodeType="withEffect" nodePh="1">
-                                  <p:stCondLst>
-                                    <p:cond delay="1000"/>
-                                  </p:stCondLst>
-                                  <p:endCondLst>
-                                    <p:cond evt="begin" delay="0">
-                                      <p:tn val="5"/>
-                                    </p:cond>
-                                  </p:endCondLst>
-                                  <p:iterate>
-                                    <p:tmPct val="10000"/>
-                                  </p:iterate>
-                                  <p:childTnLst>
-                                    <p:set>
-                                      <p:cBhvr>
-                                        <p:cTn id="6" dur="1" fill="hold">
-                                          <p:stCondLst>
-                                            <p:cond delay="0"/>
-                                          </p:stCondLst>
-                                        </p:cTn>
-                                        <p:tgtEl>
-                                          <p:spTgt spid="2"/>
-                                        </p:tgtEl>
-                                        <p:attrNameLst>
-                                          <p:attrName>style.visibility</p:attrName>
-                                        </p:attrNameLst>
-                                      </p:cBhvr>
-                                      <p:to>
-                                        <p:strVal val="visible"/>
-                                      </p:to>
-                                    </p:set>
-                                    <p:animEffect transition="in" filter="fade">
-                                      <p:cBhvr>
-                                        <p:cTn id="7" dur="700"/>
-                                        <p:tgtEl>
-                                          <p:spTgt spid="2"/>
-                                        </p:tgtEl>
-                                      </p:cBhvr>
-                                    </p:animEffect>
-                                  </p:childTnLst>
-                                </p:cTn>
-                              </p:par>
-                            </p:childTnLst>
-                          </p:cTn>
-                        </p:par>
-                      </p:childTnLst>
-                    </p:cTn>
-                  </p:par>
-                </p:childTnLst>
-              </p:cTn>
-              <p:prevCondLst>
-                <p:cond evt="onPrev" delay="0">
-                  <p:tgtEl>
-                    <p:sldTgt/>
-                  </p:tgtEl>
-                </p:cond>
-              </p:prevCondLst>
-              <p:nextCondLst>
-                <p:cond evt="onNext" delay="0">
-                  <p:tgtEl>
-                    <p:sldTgt/>
-                  </p:tgtEl>
-                </p:cond>
-              </p:nextCondLst>
-            </p:seq>
-          </p:childTnLst>
-        </p:cTn>
-      </p:par>
-    </p:tnLst>
-    <p:bldLst>
-      <p:bldP spid="2" grpId="0"/>
-    </p:bldLst>
-  </p:timing>
 </p:sld>
 </file>
 
@@ -18271,7 +18202,7 @@
           <p:nvPr>
             <p:extLst>
               <p:ext uri="{D42A27DB-BD31-4B8C-83A1-F6EECF244321}">
-                <p14:modId xmlns:p14="http://schemas.microsoft.com/office/powerpoint/2010/main" val="2133700886"/>
+                <p14:modId xmlns:p14="http://schemas.microsoft.com/office/powerpoint/2010/main" val="3451437207"/>
               </p:ext>
             </p:extLst>
           </p:nvPr>
@@ -18545,7 +18476,7 @@
                 </a:solidFill>
                 <a:latin typeface="Google Sans"/>
               </a:rPr>
-              <a:t>VotingTemplate</a:t>
+              <a:t>PollingTemplate</a:t>
             </a:r>
             <a:r>
               <a:rPr lang="en-IN" dirty="0">
@@ -18557,13 +18488,13 @@
               <a:t>: This is used to setup a tab that will allow you to setup a Voting Ballot for use in your AGMs. The Sheet containing the Resolutions to vote on is picked up from the sheet name mentioned in the “</a:t>
             </a:r>
             <a:r>
-              <a:rPr lang="en-IN" dirty="0" err="1">
+              <a:rPr lang="en-IN" b="1" dirty="0" err="1">
                 <a:solidFill>
                   <a:srgbClr val="222222"/>
                 </a:solidFill>
                 <a:latin typeface="Google Sans"/>
               </a:rPr>
-              <a:t>CurrentVote</a:t>
+              <a:t>CurrentPoll</a:t>
             </a:r>
             <a:r>
               <a:rPr lang="en-IN" dirty="0">
@@ -18584,7 +18515,7 @@
                 </a:solidFill>
                 <a:latin typeface="Google Sans"/>
               </a:rPr>
-              <a:t>VotingResults</a:t>
+              <a:t>PollingResults</a:t>
             </a:r>
             <a:r>
               <a:rPr lang="en-IN" b="1" dirty="0">
@@ -18602,7 +18533,7 @@
                 </a:solidFill>
                 <a:latin typeface="Google Sans"/>
               </a:rPr>
-              <a:t>This is used to display the Voting Questions and the results.</a:t>
+              <a:t>This is used to display the Polling Questions and the results.</a:t>
             </a:r>
             <a:endParaRPr lang="en-IN" dirty="0"/>
           </a:p>
@@ -18610,10 +18541,10 @@
       </p:sp>
       <p:pic>
         <p:nvPicPr>
-          <p:cNvPr id="5" name="Picture 4">
+          <p:cNvPr id="6" name="Picture 5">
             <a:extLst>
               <a:ext uri="{FF2B5EF4-FFF2-40B4-BE49-F238E27FC236}">
-                <a16:creationId xmlns:a16="http://schemas.microsoft.com/office/drawing/2014/main" id="{1CE89C9C-6883-F17B-232F-575249D387B1}"/>
+                <a16:creationId xmlns:a16="http://schemas.microsoft.com/office/drawing/2014/main" id="{77C77581-D2F7-4743-805C-E0915948ED96}"/>
               </a:ext>
             </a:extLst>
           </p:cNvPr>
@@ -18630,8 +18561,8 @@
         </p:blipFill>
         <p:spPr>
           <a:xfrm>
-            <a:off x="8056005" y="1354348"/>
-            <a:ext cx="3705742" cy="3753374"/>
+            <a:off x="8681128" y="1487903"/>
+            <a:ext cx="2819794" cy="2753109"/>
           </a:xfrm>
           <a:prstGeom prst="rect">
             <a:avLst/>

--- a/Setting up the Society App.pptx
+++ b/Setting up the Society App.pptx
@@ -16093,6 +16093,26 @@
               <a:buFontTx/>
               <a:buChar char="-"/>
             </a:pPr>
+            <a:r>
+              <a:rPr lang="en-IN" sz="1000" dirty="0"/>
+              <a:t>Docker Desktop</a:t>
+            </a:r>
+          </a:p>
+          <a:p>
+            <a:pPr marL="742950" lvl="1" indent="-285750" algn="l">
+              <a:buFontTx/>
+              <a:buChar char="-"/>
+            </a:pPr>
+            <a:r>
+              <a:rPr lang="en-IN" sz="1000" dirty="0"/>
+              <a:t>IDE (Visual Studio Code)</a:t>
+            </a:r>
+          </a:p>
+          <a:p>
+            <a:pPr marL="742950" lvl="1" indent="-285750" algn="l">
+              <a:buFontTx/>
+              <a:buChar char="-"/>
+            </a:pPr>
             <a:endParaRPr lang="en-IN" sz="1000" dirty="0"/>
           </a:p>
         </p:txBody>
@@ -16829,7 +16849,7 @@
           <a:p>
             <a:r>
               <a:rPr lang="en-IN" dirty="0"/>
-              <a:t>Also it would be good to setup WSL in case you have windows machine</a:t>
+              <a:t>Also, it would be good to setup WSL in case you have windows machine</a:t>
             </a:r>
           </a:p>
           <a:p>
@@ -18202,7 +18222,7 @@
           <p:nvPr>
             <p:extLst>
               <p:ext uri="{D42A27DB-BD31-4B8C-83A1-F6EECF244321}">
-                <p14:modId xmlns:p14="http://schemas.microsoft.com/office/powerpoint/2010/main" val="3451437207"/>
+                <p14:modId xmlns:p14="http://schemas.microsoft.com/office/powerpoint/2010/main" val="579412123"/>
               </p:ext>
             </p:extLst>
           </p:nvPr>

--- a/Setting up the Society App.pptx
+++ b/Setting up the Society App.pptx
@@ -18136,7 +18136,7 @@
           <a:p>
             <a:r>
               <a:rPr lang="en-IN" dirty="0"/>
-              <a:t>Step 1: Create the Master Sheet</a:t>
+              <a:t>Step 1: Source Code and Master Sheet</a:t>
             </a:r>
           </a:p>
         </p:txBody>
@@ -18186,19 +18186,18 @@
           <a:p>
             <a:r>
               <a:rPr lang="en-IN" dirty="0"/>
-              <a:t>Open the Sheet in Google Sheets and save it as a </a:t>
-            </a:r>
-            <a:r>
-              <a:rPr lang="en-IN" dirty="0" err="1"/>
-              <a:t>Gsheet</a:t>
-            </a:r>
-            <a:r>
-              <a:rPr lang="en-IN" dirty="0"/>
-              <a:t>. Make sure to note the name of the sheet. This will be needed later in Step10. E.g. My sheet’s name is </a:t>
+              <a:t>Open the Sheet in Google Sheets and save it as a Google sheet. Make sure to note the name of the sheet. This will be needed later in Step10. E.g. My sheet’s name is </a:t>
             </a:r>
             <a:r>
               <a:rPr lang="en-IN" dirty="0" err="1"/>
               <a:t>SocietyAppMain</a:t>
+            </a:r>
+            <a:endParaRPr lang="en-IN" dirty="0"/>
+          </a:p>
+          <a:p>
+            <a:r>
+              <a:rPr lang="en-IN"/>
+              <a:t>Download the source code https://github.com/mahendrachandrasekhar/SocietyApp.git</a:t>
             </a:r>
             <a:endParaRPr lang="en-IN" dirty="0"/>
           </a:p>
